--- a/PPT/FPAproject.pptx
+++ b/PPT/FPAproject.pptx
@@ -221,7 +221,7 @@
           <a:p>
             <a:fld id="{59D63A8F-9F8C-4DB7-88CF-287FBB0DAA60}" type="datetimeFigureOut">
               <a:rPr lang="ko-KR" altLang="en-US" smtClean="0"/>
-              <a:t>2024-06-26</a:t>
+              <a:t>2024-06-27</a:t>
             </a:fld>
             <a:endParaRPr lang="ko-KR" altLang="en-US"/>
           </a:p>
@@ -1595,7 +1595,7 @@
             <a:fld id="{1D8BD707-D9CF-40AE-B4C6-C98DA3205C09}" type="datetimeFigureOut">
               <a:rPr lang="en-US" smtClean="0"/>
               <a:pPr/>
-              <a:t>6/26/2024</a:t>
+              <a:t>6/27/2024</a:t>
             </a:fld>
             <a:endParaRPr lang="en-US"/>
           </a:p>
@@ -1762,7 +1762,7 @@
             <a:fld id="{1D8BD707-D9CF-40AE-B4C6-C98DA3205C09}" type="datetimeFigureOut">
               <a:rPr lang="en-US" smtClean="0"/>
               <a:pPr/>
-              <a:t>6/26/2024</a:t>
+              <a:t>6/27/2024</a:t>
             </a:fld>
             <a:endParaRPr lang="en-US"/>
           </a:p>
@@ -1939,7 +1939,7 @@
             <a:fld id="{1D8BD707-D9CF-40AE-B4C6-C98DA3205C09}" type="datetimeFigureOut">
               <a:rPr lang="en-US" smtClean="0"/>
               <a:pPr/>
-              <a:t>6/26/2024</a:t>
+              <a:t>6/27/2024</a:t>
             </a:fld>
             <a:endParaRPr lang="en-US"/>
           </a:p>
@@ -2106,7 +2106,7 @@
             <a:fld id="{1D8BD707-D9CF-40AE-B4C6-C98DA3205C09}" type="datetimeFigureOut">
               <a:rPr lang="en-US" smtClean="0"/>
               <a:pPr/>
-              <a:t>6/26/2024</a:t>
+              <a:t>6/27/2024</a:t>
             </a:fld>
             <a:endParaRPr lang="en-US"/>
           </a:p>
@@ -2349,7 +2349,7 @@
             <a:fld id="{1D8BD707-D9CF-40AE-B4C6-C98DA3205C09}" type="datetimeFigureOut">
               <a:rPr lang="en-US" smtClean="0"/>
               <a:pPr/>
-              <a:t>6/26/2024</a:t>
+              <a:t>6/27/2024</a:t>
             </a:fld>
             <a:endParaRPr lang="en-US"/>
           </a:p>
@@ -2634,7 +2634,7 @@
             <a:fld id="{1D8BD707-D9CF-40AE-B4C6-C98DA3205C09}" type="datetimeFigureOut">
               <a:rPr lang="en-US" smtClean="0"/>
               <a:pPr/>
-              <a:t>6/26/2024</a:t>
+              <a:t>6/27/2024</a:t>
             </a:fld>
             <a:endParaRPr lang="en-US"/>
           </a:p>
@@ -3053,7 +3053,7 @@
             <a:fld id="{1D8BD707-D9CF-40AE-B4C6-C98DA3205C09}" type="datetimeFigureOut">
               <a:rPr lang="en-US" smtClean="0"/>
               <a:pPr/>
-              <a:t>6/26/2024</a:t>
+              <a:t>6/27/2024</a:t>
             </a:fld>
             <a:endParaRPr lang="en-US"/>
           </a:p>
@@ -3168,7 +3168,7 @@
             <a:fld id="{1D8BD707-D9CF-40AE-B4C6-C98DA3205C09}" type="datetimeFigureOut">
               <a:rPr lang="en-US" smtClean="0"/>
               <a:pPr/>
-              <a:t>6/26/2024</a:t>
+              <a:t>6/27/2024</a:t>
             </a:fld>
             <a:endParaRPr lang="en-US"/>
           </a:p>
@@ -3260,7 +3260,7 @@
             <a:fld id="{1D8BD707-D9CF-40AE-B4C6-C98DA3205C09}" type="datetimeFigureOut">
               <a:rPr lang="en-US" smtClean="0"/>
               <a:pPr/>
-              <a:t>6/26/2024</a:t>
+              <a:t>6/27/2024</a:t>
             </a:fld>
             <a:endParaRPr lang="en-US"/>
           </a:p>
@@ -3534,7 +3534,7 @@
             <a:fld id="{1D8BD707-D9CF-40AE-B4C6-C98DA3205C09}" type="datetimeFigureOut">
               <a:rPr lang="en-US" smtClean="0"/>
               <a:pPr/>
-              <a:t>6/26/2024</a:t>
+              <a:t>6/27/2024</a:t>
             </a:fld>
             <a:endParaRPr lang="en-US"/>
           </a:p>
@@ -3784,7 +3784,7 @@
             <a:fld id="{1D8BD707-D9CF-40AE-B4C6-C98DA3205C09}" type="datetimeFigureOut">
               <a:rPr lang="en-US" smtClean="0"/>
               <a:pPr/>
-              <a:t>6/26/2024</a:t>
+              <a:t>6/27/2024</a:t>
             </a:fld>
             <a:endParaRPr lang="en-US"/>
           </a:p>
@@ -3994,7 +3994,7 @@
             <a:fld id="{1D8BD707-D9CF-40AE-B4C6-C98DA3205C09}" type="datetimeFigureOut">
               <a:rPr lang="en-US" smtClean="0"/>
               <a:pPr/>
-              <a:t>6/26/2024</a:t>
+              <a:t>6/27/2024</a:t>
             </a:fld>
             <a:endParaRPr lang="en-US"/>
           </a:p>
@@ -4472,10 +4472,7 @@
             <a:r>
               <a:rPr lang="en-US" altLang="ko-KR" sz="12000" spc="-800" dirty="0" err="1" smtClean="0">
                 <a:solidFill>
-                  <a:schemeClr val="tx1">
-                    <a:lumMod val="75000"/>
-                    <a:lumOff val="25000"/>
-                  </a:schemeClr>
+                  <a:srgbClr val="F26D00"/>
                 </a:solidFill>
                 <a:ea typeface="Hallym Gothic Bold"/>
               </a:rPr>
@@ -4484,10 +4481,7 @@
             <a:r>
               <a:rPr lang="en-US" altLang="ko-KR" sz="12000" spc="-800" dirty="0" smtClean="0">
                 <a:solidFill>
-                  <a:schemeClr val="tx1">
-                    <a:lumMod val="75000"/>
-                    <a:lumOff val="25000"/>
-                  </a:schemeClr>
+                  <a:srgbClr val="F26D00"/>
                 </a:solidFill>
                 <a:ea typeface="Hallym Gothic Bold"/>
               </a:rPr>
@@ -4495,10 +4489,7 @@
             </a:r>
             <a:endParaRPr lang="ko-KR" sz="12000" b="0" i="0" u="none" strike="noStrike" spc="-800" dirty="0">
               <a:solidFill>
-                <a:schemeClr val="tx1">
-                  <a:lumMod val="75000"/>
-                  <a:lumOff val="25000"/>
-                </a:schemeClr>
+                <a:srgbClr val="F26D00"/>
               </a:solidFill>
               <a:ea typeface="Hallym Gothic Bold"/>
             </a:endParaRPr>
@@ -4611,8 +4602,9 @@
           </a:prstGeom>
           <a:ln w="76200">
             <a:solidFill>
-              <a:schemeClr val="bg1">
-                <a:lumMod val="50000"/>
+              <a:schemeClr val="accent6">
+                <a:lumMod val="20000"/>
+                <a:lumOff val="80000"/>
               </a:schemeClr>
             </a:solidFill>
           </a:ln>
@@ -4648,8 +4640,9 @@
           </a:prstGeom>
           <a:ln w="19050">
             <a:solidFill>
-              <a:schemeClr val="bg1">
-                <a:lumMod val="50000"/>
+              <a:schemeClr val="accent6">
+                <a:lumMod val="40000"/>
+                <a:lumOff val="60000"/>
               </a:schemeClr>
             </a:solidFill>
           </a:ln>
@@ -4742,8 +4735,9 @@
           </a:prstGeom>
           <a:ln w="19050">
             <a:solidFill>
-              <a:schemeClr val="bg1">
-                <a:lumMod val="50000"/>
+              <a:schemeClr val="accent6">
+                <a:lumMod val="40000"/>
+                <a:lumOff val="60000"/>
               </a:schemeClr>
             </a:solidFill>
           </a:ln>
@@ -5255,8 +5249,9 @@
           </a:prstGeom>
           <a:ln w="19050">
             <a:solidFill>
-              <a:schemeClr val="bg1">
-                <a:lumMod val="50000"/>
+              <a:schemeClr val="accent6">
+                <a:lumMod val="40000"/>
+                <a:lumOff val="60000"/>
               </a:schemeClr>
             </a:solidFill>
           </a:ln>
@@ -5878,8 +5873,9 @@
           </a:prstGeom>
           <a:ln w="19050">
             <a:solidFill>
-              <a:schemeClr val="bg1">
-                <a:lumMod val="50000"/>
+              <a:schemeClr val="accent6">
+                <a:lumMod val="40000"/>
+                <a:lumOff val="60000"/>
               </a:schemeClr>
             </a:solidFill>
           </a:ln>
@@ -6160,6 +6156,130 @@
           </a:fontRef>
         </p:style>
       </p:cxnSp>
+      <p:sp>
+        <p:nvSpPr>
+          <p:cNvPr id="10" name="직사각형 9"/>
+          <p:cNvSpPr/>
+          <p:nvPr/>
+        </p:nvSpPr>
+        <p:spPr>
+          <a:xfrm>
+            <a:off x="6109648" y="6702756"/>
+            <a:ext cx="6082352" cy="255896"/>
+          </a:xfrm>
+          <a:prstGeom prst="rect">
+            <a:avLst/>
+          </a:prstGeom>
+          <a:noFill/>
+          <a:ln>
+            <a:solidFill>
+              <a:srgbClr val="FF4223"/>
+            </a:solidFill>
+          </a:ln>
+        </p:spPr>
+        <p:style>
+          <a:lnRef idx="2">
+            <a:schemeClr val="accent1">
+              <a:shade val="50000"/>
+            </a:schemeClr>
+          </a:lnRef>
+          <a:fillRef idx="1">
+            <a:schemeClr val="accent1"/>
+          </a:fillRef>
+          <a:effectRef idx="0">
+            <a:schemeClr val="accent1"/>
+          </a:effectRef>
+          <a:fontRef idx="minor">
+            <a:schemeClr val="lt1"/>
+          </a:fontRef>
+        </p:style>
+        <p:txBody>
+          <a:bodyPr rtlCol="0" anchor="ctr"/>
+          <a:lstStyle/>
+          <a:p>
+            <a:pPr algn="ctr"/>
+            <a:endParaRPr lang="ko-KR" altLang="en-US"/>
+          </a:p>
+        </p:txBody>
+      </p:sp>
+      <p:cxnSp>
+        <p:nvCxnSpPr>
+          <p:cNvPr id="11" name="직선 화살표 연결선 10"/>
+          <p:cNvCxnSpPr>
+            <a:stCxn id="10" idx="1"/>
+            <a:endCxn id="12" idx="3"/>
+          </p:cNvCxnSpPr>
+          <p:nvPr/>
+        </p:nvCxnSpPr>
+        <p:spPr>
+          <a:xfrm flipH="1" flipV="1">
+            <a:off x="4145616" y="6830306"/>
+            <a:ext cx="1964032" cy="398"/>
+          </a:xfrm>
+          <a:prstGeom prst="straightConnector1">
+            <a:avLst/>
+          </a:prstGeom>
+          <a:ln w="38100">
+            <a:solidFill>
+              <a:srgbClr val="FD8E25"/>
+            </a:solidFill>
+            <a:prstDash val="dash"/>
+            <a:tailEnd type="triangle"/>
+          </a:ln>
+        </p:spPr>
+        <p:style>
+          <a:lnRef idx="1">
+            <a:schemeClr val="accent1"/>
+          </a:lnRef>
+          <a:fillRef idx="0">
+            <a:schemeClr val="accent1"/>
+          </a:fillRef>
+          <a:effectRef idx="0">
+            <a:schemeClr val="accent1"/>
+          </a:effectRef>
+          <a:fontRef idx="minor">
+            <a:schemeClr val="tx1"/>
+          </a:fontRef>
+        </p:style>
+      </p:cxnSp>
+      <p:sp>
+        <p:nvSpPr>
+          <p:cNvPr id="12" name="TextBox 11"/>
+          <p:cNvSpPr txBox="1"/>
+          <p:nvPr/>
+        </p:nvSpPr>
+        <p:spPr>
+          <a:xfrm>
+            <a:off x="2209800" y="6507140"/>
+            <a:ext cx="1935816" cy="646331"/>
+          </a:xfrm>
+          <a:prstGeom prst="rect">
+            <a:avLst/>
+          </a:prstGeom>
+          <a:noFill/>
+        </p:spPr>
+        <p:txBody>
+          <a:bodyPr wrap="square" rtlCol="0">
+            <a:spAutoFit/>
+          </a:bodyPr>
+          <a:lstStyle/>
+          <a:p>
+            <a:r>
+              <a:rPr lang="ko-KR" altLang="en-US" b="1" dirty="0" smtClean="0">
+                <a:solidFill>
+                  <a:srgbClr val="FD8E25"/>
+                </a:solidFill>
+              </a:rPr>
+              <a:t>상품 클릭 시 상세페이지 이동</a:t>
+            </a:r>
+            <a:endParaRPr lang="en-US" altLang="ko-KR" b="1" dirty="0" smtClean="0">
+              <a:solidFill>
+                <a:srgbClr val="FD8E25"/>
+              </a:solidFill>
+            </a:endParaRPr>
+          </a:p>
+        </p:txBody>
+      </p:sp>
     </p:spTree>
     <p:extLst>
       <p:ext uri="{BB962C8B-B14F-4D97-AF65-F5344CB8AC3E}">
@@ -6238,8 +6358,9 @@
           </a:prstGeom>
           <a:ln w="19050">
             <a:solidFill>
-              <a:schemeClr val="bg1">
-                <a:lumMod val="50000"/>
+              <a:schemeClr val="accent6">
+                <a:lumMod val="40000"/>
+                <a:lumOff val="60000"/>
               </a:schemeClr>
             </a:solidFill>
           </a:ln>
@@ -6526,8 +6647,8 @@
         </p:blipFill>
         <p:spPr>
           <a:xfrm>
-            <a:off x="14173200" y="3162300"/>
-            <a:ext cx="3091737" cy="2209800"/>
+            <a:off x="14173200" y="3188804"/>
+            <a:ext cx="3733800" cy="2209800"/>
           </a:xfrm>
           <a:prstGeom prst="rect">
             <a:avLst/>
@@ -6550,8 +6671,8 @@
         </p:blipFill>
         <p:spPr>
           <a:xfrm>
-            <a:off x="14173200" y="5448300"/>
-            <a:ext cx="3124200" cy="2070309"/>
+            <a:off x="14173200" y="5461552"/>
+            <a:ext cx="3733800" cy="2070309"/>
           </a:xfrm>
           <a:prstGeom prst="rect">
             <a:avLst/>
@@ -6873,6 +6994,9 @@
           <a:prstGeom prst="rect">
             <a:avLst/>
           </a:prstGeom>
+          <a:solidFill>
+            <a:srgbClr val="FFA12B"/>
+          </a:solidFill>
         </p:spPr>
       </p:pic>
       <p:pic>
@@ -7136,7 +7260,7 @@
         <p:spPr>
           <a:xfrm>
             <a:off x="13373100" y="7962900"/>
-            <a:ext cx="2247900" cy="609600"/>
+            <a:ext cx="2400300" cy="609600"/>
           </a:xfrm>
           <a:prstGeom prst="rect">
             <a:avLst/>
@@ -7158,9 +7282,18 @@
                 </a:solidFill>
                 <a:latin typeface="+mn-ea"/>
               </a:rPr>
-              <a:t>실행 화면</a:t>
-            </a:r>
-            <a:endParaRPr lang="ko-KR" sz="3500" b="0" i="0" u="none" strike="noStrike" spc="-200" dirty="0">
+              <a:t>실행 </a:t>
+            </a:r>
+            <a:r>
+              <a:rPr lang="ko-KR" altLang="en-US" sz="3500" spc="-200" dirty="0" smtClean="0">
+                <a:solidFill>
+                  <a:srgbClr val="000000"/>
+                </a:solidFill>
+                <a:latin typeface="+mn-ea"/>
+              </a:rPr>
+              <a:t>화면</a:t>
+            </a:r>
+            <a:endParaRPr lang="en-US" altLang="ko-KR" sz="3500" spc="-200" dirty="0" smtClean="0">
               <a:solidFill>
                 <a:srgbClr val="000000"/>
               </a:solidFill>
@@ -7185,8 +7318,9 @@
           </a:prstGeom>
           <a:ln w="19050">
             <a:solidFill>
-              <a:schemeClr val="bg1">
-                <a:lumMod val="50000"/>
+              <a:schemeClr val="accent6">
+                <a:lumMod val="40000"/>
+                <a:lumOff val="60000"/>
               </a:schemeClr>
             </a:solidFill>
           </a:ln>
@@ -7255,8 +7389,9 @@
           </a:prstGeom>
           <a:ln w="19050">
             <a:solidFill>
-              <a:schemeClr val="bg1">
-                <a:lumMod val="50000"/>
+              <a:schemeClr val="accent6">
+                <a:lumMod val="40000"/>
+                <a:lumOff val="60000"/>
               </a:schemeClr>
             </a:solidFill>
           </a:ln>
@@ -8274,8 +8409,9 @@
           </a:prstGeom>
           <a:ln w="19050">
             <a:solidFill>
-              <a:schemeClr val="bg1">
-                <a:lumMod val="50000"/>
+              <a:schemeClr val="accent6">
+                <a:lumMod val="40000"/>
+                <a:lumOff val="60000"/>
               </a:schemeClr>
             </a:solidFill>
           </a:ln>
@@ -8421,17 +8557,7 @@
                   <a:latin typeface="+mj-ea"/>
                   <a:ea typeface="+mj-ea"/>
                 </a:rPr>
-                <a:t>아이디</a:t>
-              </a:r>
-              <a:r>
-                <a:rPr lang="en-US" altLang="ko-KR" sz="2000" dirty="0" smtClean="0">
-                  <a:solidFill>
-                    <a:schemeClr val="tx1"/>
-                  </a:solidFill>
-                  <a:latin typeface="+mj-ea"/>
-                  <a:ea typeface="+mj-ea"/>
-                </a:rPr>
-                <a:t>, </a:t>
+                <a:t>사용자 정보를</a:t>
               </a:r>
               <a:r>
                 <a:rPr lang="ko-KR" altLang="en-US" sz="2000" dirty="0" smtClean="0">
@@ -8441,17 +8567,7 @@
                   <a:latin typeface="+mj-ea"/>
                   <a:ea typeface="+mj-ea"/>
                 </a:rPr>
-                <a:t>비밀번호</a:t>
-              </a:r>
-              <a:r>
-                <a:rPr lang="en-US" altLang="ko-KR" sz="2000" dirty="0" smtClean="0">
-                  <a:solidFill>
-                    <a:schemeClr val="tx1"/>
-                  </a:solidFill>
-                  <a:latin typeface="+mj-ea"/>
-                  <a:ea typeface="+mj-ea"/>
-                </a:rPr>
-                <a:t>, </a:t>
+                <a:t> </a:t>
               </a:r>
               <a:r>
                 <a:rPr lang="ko-KR" altLang="en-US" sz="2000" dirty="0" smtClean="0">
@@ -8461,77 +8577,7 @@
                   <a:latin typeface="+mj-ea"/>
                   <a:ea typeface="+mj-ea"/>
                 </a:rPr>
-                <a:t>이메일</a:t>
-              </a:r>
-              <a:r>
-                <a:rPr lang="en-US" altLang="ko-KR" sz="2000" dirty="0" smtClean="0">
-                  <a:solidFill>
-                    <a:schemeClr val="tx1"/>
-                  </a:solidFill>
-                  <a:latin typeface="+mj-ea"/>
-                  <a:ea typeface="+mj-ea"/>
-                </a:rPr>
-                <a:t>, </a:t>
-              </a:r>
-              <a:r>
-                <a:rPr lang="ko-KR" altLang="en-US" sz="2000" dirty="0" smtClean="0">
-                  <a:solidFill>
-                    <a:schemeClr val="tx1"/>
-                  </a:solidFill>
-                  <a:latin typeface="+mj-ea"/>
-                  <a:ea typeface="+mj-ea"/>
-                </a:rPr>
-                <a:t>이름</a:t>
-              </a:r>
-              <a:r>
-                <a:rPr lang="en-US" altLang="ko-KR" sz="2000" dirty="0" smtClean="0">
-                  <a:solidFill>
-                    <a:schemeClr val="tx1"/>
-                  </a:solidFill>
-                  <a:latin typeface="+mj-ea"/>
-                  <a:ea typeface="+mj-ea"/>
-                </a:rPr>
-                <a:t>, </a:t>
-              </a:r>
-              <a:r>
-                <a:rPr lang="ko-KR" altLang="en-US" sz="2000" dirty="0" smtClean="0">
-                  <a:solidFill>
-                    <a:schemeClr val="tx1"/>
-                  </a:solidFill>
-                  <a:latin typeface="+mj-ea"/>
-                  <a:ea typeface="+mj-ea"/>
-                </a:rPr>
-                <a:t>성별</a:t>
-              </a:r>
-              <a:r>
-                <a:rPr lang="en-US" altLang="ko-KR" sz="2000" dirty="0" smtClean="0">
-                  <a:solidFill>
-                    <a:schemeClr val="tx1"/>
-                  </a:solidFill>
-                  <a:latin typeface="+mj-ea"/>
-                  <a:ea typeface="+mj-ea"/>
-                </a:rPr>
-                <a:t>, </a:t>
-              </a:r>
-              <a:r>
-                <a:rPr lang="ko-KR" altLang="en-US" sz="2000" dirty="0" smtClean="0">
-                  <a:solidFill>
-                    <a:schemeClr val="tx1"/>
-                  </a:solidFill>
-                  <a:latin typeface="+mj-ea"/>
-                  <a:ea typeface="+mj-ea"/>
-                </a:rPr>
-                <a:t>생년월일을 사용자가 입력하면 </a:t>
-              </a:r>
-              <a:r>
-                <a:rPr lang="ko-KR" altLang="en-US" sz="2000" dirty="0" smtClean="0">
-                  <a:solidFill>
-                    <a:schemeClr val="tx1"/>
-                  </a:solidFill>
-                  <a:latin typeface="+mj-ea"/>
-                  <a:ea typeface="+mj-ea"/>
-                </a:rPr>
-                <a:t>서버를 통해 </a:t>
+                <a:t>입력하면 서버를 통해 </a:t>
               </a:r>
               <a:r>
                 <a:rPr lang="en-US" altLang="ko-KR" sz="2000" dirty="0" smtClean="0">
@@ -8721,14 +8767,24 @@
                 <a:t>, </a:t>
               </a:r>
               <a:r>
-                <a:rPr lang="ko-KR" altLang="en-US" sz="2000" dirty="0" err="1" smtClean="0">
+                <a:rPr lang="ko-KR" altLang="en-US" sz="2000" dirty="0" smtClean="0">
                   <a:solidFill>
                     <a:sysClr val="windowText" lastClr="000000"/>
                   </a:solidFill>
                   <a:latin typeface="+mj-ea"/>
                   <a:ea typeface="+mj-ea"/>
                 </a:rPr>
-                <a:t>비밀번가</a:t>
+                <a:t>비밀번호가 </a:t>
+              </a:r>
+              <a:r>
+                <a:rPr lang="en-US" altLang="ko-KR" sz="2000" dirty="0" smtClean="0">
+                  <a:solidFill>
+                    <a:sysClr val="windowText" lastClr="000000"/>
+                  </a:solidFill>
+                  <a:latin typeface="+mj-ea"/>
+                  <a:ea typeface="+mj-ea"/>
+                </a:rPr>
+                <a:t>user DB</a:t>
               </a:r>
               <a:r>
                 <a:rPr lang="ko-KR" altLang="en-US" sz="2000" dirty="0" smtClean="0">
@@ -8738,77 +8794,7 @@
                   <a:latin typeface="+mj-ea"/>
                   <a:ea typeface="+mj-ea"/>
                 </a:rPr>
-                <a:t> </a:t>
-              </a:r>
-              <a:r>
-                <a:rPr lang="en-US" altLang="ko-KR" sz="2000" dirty="0" smtClean="0">
-                  <a:solidFill>
-                    <a:sysClr val="windowText" lastClr="000000"/>
-                  </a:solidFill>
-                  <a:latin typeface="+mj-ea"/>
-                  <a:ea typeface="+mj-ea"/>
-                </a:rPr>
-                <a:t>DB</a:t>
-              </a:r>
-              <a:r>
-                <a:rPr lang="ko-KR" altLang="en-US" sz="2000" dirty="0" smtClean="0">
-                  <a:solidFill>
-                    <a:sysClr val="windowText" lastClr="000000"/>
-                  </a:solidFill>
-                  <a:latin typeface="+mj-ea"/>
-                  <a:ea typeface="+mj-ea"/>
-                </a:rPr>
-                <a:t>에 </a:t>
-              </a:r>
-              <a:r>
-                <a:rPr lang="en-US" altLang="ko-KR" sz="2000" dirty="0" smtClean="0">
-                  <a:solidFill>
-                    <a:sysClr val="windowText" lastClr="000000"/>
-                  </a:solidFill>
-                  <a:latin typeface="+mj-ea"/>
-                  <a:ea typeface="+mj-ea"/>
-                </a:rPr>
-                <a:t>user</a:t>
-              </a:r>
-              <a:r>
-                <a:rPr lang="ko-KR" altLang="en-US" sz="2000" dirty="0" smtClean="0">
-                  <a:solidFill>
-                    <a:sysClr val="windowText" lastClr="000000"/>
-                  </a:solidFill>
-                  <a:latin typeface="+mj-ea"/>
-                  <a:ea typeface="+mj-ea"/>
-                </a:rPr>
-                <a:t> </a:t>
-              </a:r>
-              <a:r>
-                <a:rPr lang="ko-KR" altLang="en-US" sz="2000" dirty="0" smtClean="0">
-                  <a:solidFill>
-                    <a:sysClr val="windowText" lastClr="000000"/>
-                  </a:solidFill>
-                  <a:latin typeface="+mj-ea"/>
-                  <a:ea typeface="+mj-ea"/>
-                </a:rPr>
-                <a:t>정보와 </a:t>
-              </a:r>
-              <a:r>
-                <a:rPr lang="ko-KR" altLang="en-US" sz="2000" dirty="0" smtClean="0">
-                  <a:solidFill>
-                    <a:sysClr val="windowText" lastClr="000000"/>
-                  </a:solidFill>
-                  <a:latin typeface="+mj-ea"/>
-                  <a:ea typeface="+mj-ea"/>
-                </a:rPr>
-                <a:t>동일하면</a:t>
-              </a:r>
-              <a:r>
-                <a:rPr lang="ko-KR" altLang="en-US" sz="2000" dirty="0" smtClean="0">
-                  <a:solidFill>
-                    <a:sysClr val="windowText" lastClr="000000"/>
-                  </a:solidFill>
-                  <a:latin typeface="+mj-ea"/>
-                  <a:ea typeface="+mj-ea"/>
-                </a:rPr>
-                <a:t> </a:t>
+                <a:t>와 동일하면 </a:t>
               </a:r>
               <a:r>
                 <a:rPr lang="ko-KR" altLang="en-US" sz="2000" dirty="0" smtClean="0">
@@ -8965,40 +8951,10 @@
                   <a:latin typeface="+mj-ea"/>
                   <a:ea typeface="+mj-ea"/>
                 </a:rPr>
-                <a:t> 현황을 수정 및 삭제가 가능하고</a:t>
+                <a:t> 현황을 페이지 기능을 통해</a:t>
               </a:r>
               <a:r>
-                <a:rPr lang="en-US" altLang="ko-KR" sz="2000" dirty="0" smtClean="0">
-                  <a:solidFill>
-                    <a:sysClr val="windowText" lastClr="000000"/>
-                  </a:solidFill>
-                  <a:latin typeface="+mj-ea"/>
-                  <a:ea typeface="+mj-ea"/>
-                </a:rPr>
-                <a:t>, </a:t>
-              </a:r>
-              <a:r>
-                <a:rPr lang="ko-KR" altLang="en-US" sz="2000" dirty="0" smtClean="0">
-                  <a:solidFill>
-                    <a:sysClr val="windowText" lastClr="000000"/>
-                  </a:solidFill>
-                  <a:latin typeface="+mj-ea"/>
-                  <a:ea typeface="+mj-ea"/>
-                </a:rPr>
-                <a:t>해당하는 상품 클릭하면 상세페이지로 이동</a:t>
-              </a:r>
-              <a:r>
-                <a:rPr lang="en-US" altLang="ko-KR" sz="2000" dirty="0" smtClean="0">
-                  <a:solidFill>
-                    <a:sysClr val="windowText" lastClr="000000"/>
-                  </a:solidFill>
-                  <a:latin typeface="+mj-ea"/>
-                  <a:ea typeface="+mj-ea"/>
-                </a:rPr>
-                <a:t>,</a:t>
-              </a:r>
-              <a:r>
-                <a:rPr lang="en-US" altLang="ko-KR" sz="2000" dirty="0" smtClean="0">
+                <a:rPr lang="en-US" altLang="ko-KR" sz="2000" dirty="0">
                   <a:solidFill>
                     <a:sysClr val="windowText" lastClr="000000"/>
                   </a:solidFill>
@@ -9006,16 +8962,6 @@
                   <a:ea typeface="+mj-ea"/>
                 </a:rPr>
                 <a:t> </a:t>
-              </a:r>
-              <a:r>
-                <a:rPr lang="ko-KR" altLang="en-US" sz="2000" dirty="0" smtClean="0">
-                  <a:solidFill>
-                    <a:sysClr val="windowText" lastClr="000000"/>
-                  </a:solidFill>
-                  <a:latin typeface="+mj-ea"/>
-                  <a:ea typeface="+mj-ea"/>
-                </a:rPr>
-                <a:t>페이지 기능을 통해 </a:t>
               </a:r>
               <a:r>
                 <a:rPr lang="en-US" altLang="ko-KR" sz="2000" dirty="0" smtClean="0">
@@ -9035,7 +8981,37 @@
                   <a:latin typeface="+mj-ea"/>
                   <a:ea typeface="+mj-ea"/>
                 </a:rPr>
-                <a:t>개씩 상품 확인 가능</a:t>
+                <a:t>개씩 확인 가능</a:t>
+              </a:r>
+              <a:r>
+                <a:rPr lang="en-US" altLang="ko-KR" sz="2000" dirty="0" smtClean="0">
+                  <a:solidFill>
+                    <a:sysClr val="windowText" lastClr="000000"/>
+                  </a:solidFill>
+                  <a:latin typeface="+mj-ea"/>
+                  <a:ea typeface="+mj-ea"/>
+                </a:rPr>
+                <a:t>, </a:t>
+              </a:r>
+              <a:r>
+                <a:rPr lang="ko-KR" altLang="en-US" sz="2000" dirty="0" err="1" smtClean="0">
+                  <a:solidFill>
+                    <a:sysClr val="windowText" lastClr="000000"/>
+                  </a:solidFill>
+                  <a:latin typeface="+mj-ea"/>
+                  <a:ea typeface="+mj-ea"/>
+                </a:rPr>
+                <a:t>예적금</a:t>
+              </a:r>
+              <a:r>
+                <a:rPr lang="ko-KR" altLang="en-US" sz="2000" dirty="0" smtClean="0">
+                  <a:solidFill>
+                    <a:sysClr val="windowText" lastClr="000000"/>
+                  </a:solidFill>
+                  <a:latin typeface="+mj-ea"/>
+                  <a:ea typeface="+mj-ea"/>
+                </a:rPr>
+                <a:t> 수정 및 삭제 가능하고 해당하는 상품 클릭 시 상세페이지로 이동</a:t>
               </a:r>
               <a:endParaRPr lang="ko-KR" altLang="en-US" sz="2000" dirty="0">
                 <a:solidFill>
@@ -9474,67 +9450,7 @@
                   <a:latin typeface="+mj-ea"/>
                   <a:ea typeface="+mj-ea"/>
                 </a:rPr>
-                <a:t>페이지에서 </a:t>
-              </a:r>
-              <a:r>
-                <a:rPr lang="ko-KR" altLang="en-US" sz="2000" dirty="0" smtClean="0">
-                  <a:solidFill>
-                    <a:sysClr val="windowText" lastClr="000000"/>
-                  </a:solidFill>
-                  <a:latin typeface="+mj-ea"/>
-                  <a:ea typeface="+mj-ea"/>
-                </a:rPr>
-                <a:t>원하는 </a:t>
-              </a:r>
-              <a:r>
-                <a:rPr lang="ko-KR" altLang="en-US" sz="2000" dirty="0" smtClean="0">
-                  <a:solidFill>
-                    <a:sysClr val="windowText" lastClr="000000"/>
-                  </a:solidFill>
-                  <a:latin typeface="+mj-ea"/>
-                  <a:ea typeface="+mj-ea"/>
-                </a:rPr>
-                <a:t>상품</a:t>
-              </a:r>
-              <a:r>
-                <a:rPr lang="ko-KR" altLang="en-US" sz="2000" dirty="0" smtClean="0">
-                  <a:solidFill>
-                    <a:sysClr val="windowText" lastClr="000000"/>
-                  </a:solidFill>
-                  <a:latin typeface="+mj-ea"/>
-                  <a:ea typeface="+mj-ea"/>
-                </a:rPr>
-                <a:t>을 </a:t>
-              </a:r>
-              <a:r>
-                <a:rPr lang="ko-KR" altLang="en-US" sz="2000" dirty="0" smtClean="0">
-                  <a:solidFill>
-                    <a:sysClr val="windowText" lastClr="000000"/>
-                  </a:solidFill>
-                  <a:latin typeface="+mj-ea"/>
-                  <a:ea typeface="+mj-ea"/>
-                </a:rPr>
-                <a:t>클릭할 경우 상세페이지로 넘어가서 해당하는 </a:t>
-              </a:r>
-              <a:r>
-                <a:rPr lang="ko-KR" altLang="en-US" sz="2000" dirty="0" smtClean="0">
-                  <a:solidFill>
-                    <a:sysClr val="windowText" lastClr="000000"/>
-                  </a:solidFill>
-                  <a:latin typeface="+mj-ea"/>
-                  <a:ea typeface="+mj-ea"/>
-                </a:rPr>
-                <a:t>상품</a:t>
-              </a:r>
-              <a:r>
-                <a:rPr lang="ko-KR" altLang="en-US" sz="2000" dirty="0" smtClean="0">
-                  <a:solidFill>
-                    <a:sysClr val="windowText" lastClr="000000"/>
-                  </a:solidFill>
-                  <a:latin typeface="+mj-ea"/>
-                  <a:ea typeface="+mj-ea"/>
-                </a:rPr>
-                <a:t>에</a:t>
+                <a:t>페이지에서 원하는 상품을 클릭할 경우 상세페이지로 넘어가서 해당하는 상품에</a:t>
               </a:r>
               <a:r>
                 <a:rPr lang="en-US" altLang="ko-KR" sz="2000" dirty="0" smtClean="0">
@@ -9554,27 +9470,7 @@
                   <a:latin typeface="+mj-ea"/>
                   <a:ea typeface="+mj-ea"/>
                 </a:rPr>
-                <a:t>대한 </a:t>
-              </a:r>
-              <a:r>
-                <a:rPr lang="ko-KR" altLang="en-US" sz="2000" dirty="0" smtClean="0">
-                  <a:solidFill>
-                    <a:sysClr val="windowText" lastClr="000000"/>
-                  </a:solidFill>
-                  <a:latin typeface="+mj-ea"/>
-                  <a:ea typeface="+mj-ea"/>
-                </a:rPr>
-                <a:t> 상세 정보를 </a:t>
-              </a:r>
-              <a:r>
-                <a:rPr lang="ko-KR" altLang="en-US" sz="2000" dirty="0" smtClean="0">
-                  <a:solidFill>
-                    <a:sysClr val="windowText" lastClr="000000"/>
-                  </a:solidFill>
-                  <a:latin typeface="+mj-ea"/>
-                  <a:ea typeface="+mj-ea"/>
-                </a:rPr>
-                <a:t>보여줌</a:t>
+                <a:t>대한  상세 정보를 보여줌</a:t>
               </a:r>
               <a:endParaRPr lang="ko-KR" altLang="en-US" sz="2000" dirty="0">
                 <a:solidFill>
@@ -9699,8 +9595,9 @@
           </a:prstGeom>
           <a:ln w="19050">
             <a:solidFill>
-              <a:schemeClr val="bg1">
-                <a:lumMod val="50000"/>
+              <a:schemeClr val="accent6">
+                <a:lumMod val="40000"/>
+                <a:lumOff val="60000"/>
               </a:schemeClr>
             </a:solidFill>
           </a:ln>
@@ -10030,7 +9927,17 @@
                   <a:latin typeface="+mj-ea"/>
                   <a:ea typeface="+mj-ea"/>
                 </a:rPr>
-                <a:t>적금 옵션으로 보여줌 </a:t>
+                <a:t>적금 </a:t>
+              </a:r>
+              <a:r>
+                <a:rPr lang="ko-KR" altLang="en-US" sz="2000" dirty="0" smtClean="0">
+                  <a:solidFill>
+                    <a:sysClr val="windowText" lastClr="000000"/>
+                  </a:solidFill>
+                  <a:latin typeface="+mj-ea"/>
+                  <a:ea typeface="+mj-ea"/>
+                </a:rPr>
+                <a:t>옵션에 따라 보여줌 </a:t>
               </a:r>
               <a:endParaRPr lang="ko-KR" altLang="en-US" sz="2000" dirty="0">
                 <a:solidFill>
@@ -10214,10 +10121,20 @@
                   <a:latin typeface="+mj-ea"/>
                   <a:ea typeface="+mj-ea"/>
                 </a:rPr>
-                <a:t> 기준으로 이자</a:t>
+                <a:t> 기준으로 </a:t>
               </a:r>
               <a:r>
-                <a:rPr lang="en-US" altLang="ko-KR" sz="2000" dirty="0">
+                <a:rPr lang="ko-KR" altLang="en-US" sz="2000" dirty="0" err="1" smtClean="0">
+                  <a:solidFill>
+                    <a:sysClr val="windowText" lastClr="000000"/>
+                  </a:solidFill>
+                  <a:latin typeface="+mj-ea"/>
+                  <a:ea typeface="+mj-ea"/>
+                </a:rPr>
+                <a:t>수령금액</a:t>
+              </a:r>
+              <a:r>
+                <a:rPr lang="en-US" altLang="ko-KR" sz="2000" dirty="0" smtClean="0">
                   <a:solidFill>
                     <a:sysClr val="windowText" lastClr="000000"/>
                   </a:solidFill>
@@ -10446,8 +10363,9 @@
           </a:prstGeom>
           <a:ln w="19050">
             <a:solidFill>
-              <a:schemeClr val="bg1">
-                <a:lumMod val="50000"/>
+              <a:schemeClr val="accent6">
+                <a:lumMod val="40000"/>
+                <a:lumOff val="60000"/>
               </a:schemeClr>
             </a:solidFill>
           </a:ln>
@@ -11024,8 +10942,9 @@
           </a:prstGeom>
           <a:ln w="19050">
             <a:solidFill>
-              <a:schemeClr val="bg1">
-                <a:lumMod val="50000"/>
+              <a:schemeClr val="accent6">
+                <a:lumMod val="40000"/>
+                <a:lumOff val="60000"/>
               </a:schemeClr>
             </a:solidFill>
           </a:ln>
@@ -11527,8 +11446,9 @@
           </a:prstGeom>
           <a:ln w="19050">
             <a:solidFill>
-              <a:schemeClr val="bg1">
-                <a:lumMod val="50000"/>
+              <a:schemeClr val="accent6">
+                <a:lumMod val="40000"/>
+                <a:lumOff val="60000"/>
               </a:schemeClr>
             </a:solidFill>
           </a:ln>
@@ -12297,8 +12217,9 @@
           </a:prstGeom>
           <a:ln w="19050">
             <a:solidFill>
-              <a:schemeClr val="bg1">
-                <a:lumMod val="50000"/>
+              <a:schemeClr val="accent6">
+                <a:lumMod val="40000"/>
+                <a:lumOff val="60000"/>
               </a:schemeClr>
             </a:solidFill>
           </a:ln>
